--- a/cours/Qualité dev Android - 1 - Kotlin 2 - Fonctions.pptx
+++ b/cours/Qualité dev Android - 1 - Kotlin 2 - Fonctions.pptx
@@ -25181,22 +25181,13 @@
               <a:buNone/>
             </a:pPr>
             <a:r>
-              <a:rPr lang="en" sz="1800" dirty="0" err="1">
-                <a:latin typeface="Roboto"/>
-                <a:ea typeface="Roboto"/>
-                <a:cs typeface="Roboto"/>
-                <a:sym typeface="Roboto"/>
-              </a:rPr>
-              <a:t>Aplliquer</a:t>
-            </a:r>
-            <a:r>
               <a:rPr lang="en" sz="1800" dirty="0">
                 <a:latin typeface="Roboto"/>
                 <a:ea typeface="Roboto"/>
                 <a:cs typeface="Roboto"/>
                 <a:sym typeface="Roboto"/>
               </a:rPr>
-              <a:t> le </a:t>
+              <a:t>Appliquer le </a:t>
             </a:r>
             <a:r>
               <a:rPr lang="en" sz="1800" dirty="0">
